--- a/Spark_Fall2017_Class12_Slides_YiZhang_TaikunGuo.pptx
+++ b/Spark_Fall2017_Class12_Slides_YiZhang_TaikunGuo.pptx
@@ -319,6 +319,11 @@
       </a:defRPr>
     </a:lvl9pPr>
   </p:defaultTextStyle>
+  <p:extLst>
+    <p:ext uri="{EFAFB233-063F-42B5-8137-9DF3F51BA10A}">
+      <p15:sldGuideLst xmlns:p15="http://schemas.microsoft.com/office/powerpoint/2012/main"/>
+    </p:ext>
+  </p:extLst>
 </p:presentation>
 </file>
 
@@ -638,7 +643,7 @@
       <p:bgPr>
         <a:blipFill dpi="0" rotWithShape="1">
           <a:blip r:embed="rId3">
-            <a:alphaModFix amt="14000"/>
+            <a:alphaModFix amt="7000"/>
             <a:lum/>
           </a:blip>
           <a:srcRect/>
@@ -2082,12 +2087,68 @@
               <a:t>Abstract:  </a:t>
             </a:r>
             <a:r>
+              <a:rPr lang="en-US" dirty="0">
+                <a:solidFill>
+                  <a:srgbClr val="0070C0"/>
+                </a:solidFill>
+              </a:rPr>
+              <a:t>W</a:t>
+            </a:r>
+            <a:r>
               <a:rPr lang="en-US" dirty="0" smtClean="0">
                 <a:solidFill>
                   <a:srgbClr val="0070C0"/>
                 </a:solidFill>
               </a:rPr>
-              <a:t>In this study, we mainly focus on the factors of the air quality, metro stations and crimes, and exploit how they influenced the housing prices in New York City from 2010 till now.</a:t>
+              <a:t>e </a:t>
+            </a:r>
+            <a:r>
+              <a:rPr lang="en-US" dirty="0" smtClean="0">
+                <a:solidFill>
+                  <a:srgbClr val="0070C0"/>
+                </a:solidFill>
+              </a:rPr>
+              <a:t>mainly </a:t>
+            </a:r>
+            <a:r>
+              <a:rPr lang="en-US" dirty="0" smtClean="0">
+                <a:solidFill>
+                  <a:srgbClr val="0070C0"/>
+                </a:solidFill>
+              </a:rPr>
+              <a:t>focused </a:t>
+            </a:r>
+            <a:r>
+              <a:rPr lang="en-US" dirty="0" smtClean="0">
+                <a:solidFill>
+                  <a:srgbClr val="0070C0"/>
+                </a:solidFill>
+              </a:rPr>
+              <a:t>on the factors of the air quality, metro stations and crimes, and </a:t>
+            </a:r>
+            <a:r>
+              <a:rPr lang="en-US" dirty="0" smtClean="0">
+                <a:solidFill>
+                  <a:srgbClr val="0070C0"/>
+                </a:solidFill>
+              </a:rPr>
+              <a:t>their influences on </a:t>
+            </a:r>
+            <a:r>
+              <a:rPr lang="en-US" dirty="0" smtClean="0">
+                <a:solidFill>
+                  <a:srgbClr val="0070C0"/>
+                </a:solidFill>
+              </a:rPr>
+              <a:t>the housing prices in </a:t>
+            </a:r>
+            <a:r>
+              <a:rPr lang="en-US" dirty="0" smtClean="0">
+                <a:solidFill>
+                  <a:srgbClr val="0070C0"/>
+                </a:solidFill>
+              </a:rPr>
+              <a:t>NYC from.</a:t>
             </a:r>
             <a:endParaRPr dirty="0">
               <a:solidFill>
@@ -2171,7 +2232,7 @@
         </p:spPr>
         <p:txBody>
           <a:bodyPr>
-            <a:normAutofit fontScale="90000"/>
+            <a:normAutofit/>
           </a:bodyPr>
           <a:lstStyle>
             <a:lvl1pPr>
@@ -2193,7 +2254,7 @@
                   <a:srgbClr val="0070C0"/>
                 </a:solidFill>
               </a:rPr>
-              <a:t>A Study on the Relationship Between Housing Prices and the Air Quality, Metro Stations and Crimes in New York City</a:t>
+              <a:t>Housing Prices and AQ, Metro and Crimes in NYC</a:t>
             </a:r>
             <a:endParaRPr dirty="0">
               <a:solidFill>
@@ -2368,7 +2429,7 @@
         </p:spPr>
         <p:txBody>
           <a:bodyPr>
-            <a:normAutofit fontScale="90000"/>
+            <a:normAutofit/>
           </a:bodyPr>
           <a:lstStyle>
             <a:lvl1pPr>
@@ -2390,7 +2451,55 @@
                   <a:srgbClr val="0070C0"/>
                 </a:solidFill>
               </a:rPr>
-              <a:t>A Study on the Relationship Between Housing Prices and the Air Quality, Metro Stations and Crimes in New York City</a:t>
+              <a:t>Housing </a:t>
+            </a:r>
+            <a:r>
+              <a:rPr lang="en-US" dirty="0" smtClean="0">
+                <a:solidFill>
+                  <a:srgbClr val="0070C0"/>
+                </a:solidFill>
+              </a:rPr>
+              <a:t>Prices and </a:t>
+            </a:r>
+            <a:r>
+              <a:rPr lang="en-US" dirty="0" smtClean="0">
+                <a:solidFill>
+                  <a:srgbClr val="0070C0"/>
+                </a:solidFill>
+              </a:rPr>
+              <a:t>AQ, </a:t>
+            </a:r>
+            <a:r>
+              <a:rPr lang="en-US" dirty="0" smtClean="0">
+                <a:solidFill>
+                  <a:srgbClr val="0070C0"/>
+                </a:solidFill>
+              </a:rPr>
+              <a:t>Metro </a:t>
+            </a:r>
+            <a:r>
+              <a:rPr lang="en-US" dirty="0" smtClean="0">
+                <a:solidFill>
+                  <a:srgbClr val="0070C0"/>
+                </a:solidFill>
+              </a:rPr>
+              <a:t>and </a:t>
+            </a:r>
+            <a:r>
+              <a:rPr lang="en-US" dirty="0" smtClean="0">
+                <a:solidFill>
+                  <a:srgbClr val="0070C0"/>
+                </a:solidFill>
+              </a:rPr>
+              <a:t>Crimes in </a:t>
+            </a:r>
+            <a:r>
+              <a:rPr lang="en-US" dirty="0" smtClean="0">
+                <a:solidFill>
+                  <a:srgbClr val="0070C0"/>
+                </a:solidFill>
+              </a:rPr>
+              <a:t>NYC</a:t>
             </a:r>
             <a:endParaRPr dirty="0">
               <a:solidFill>
@@ -2421,7 +2530,7 @@
         </p:spPr>
         <p:txBody>
           <a:bodyPr>
-            <a:normAutofit lnSpcReduction="10000"/>
+            <a:normAutofit/>
           </a:bodyPr>
           <a:lstStyle/>
           <a:p>
@@ -2586,13 +2695,13 @@
             </a:r>
           </a:p>
           <a:p>
-            <a:pPr marL="0" indent="0">
+            <a:pPr>
               <a:spcBef>
                 <a:spcPts val="400"/>
               </a:spcBef>
               <a:buSzTx/>
-              <a:buFont typeface="Wingdings"/>
-              <a:buNone/>
+              <a:buFontTx/>
+              <a:buChar char="-"/>
               <a:defRPr sz="2000">
                 <a:solidFill>
                   <a:srgbClr val="FF0000"/>
@@ -2609,23 +2718,61 @@
                   <a:srgbClr val="0070C0"/>
                 </a:solidFill>
               </a:rPr>
-              <a:t>Housing prices has been one of the most important things that need to be considered by people in the United States especially in NYC since this is always a heavy burden for young people. And housing prices are largely related to the environments around them. Thus, this study will help consumers to have a vision</a:t>
-            </a:r>
-            <a:r>
-              <a:rPr dirty="0" smtClean="0">
-                <a:solidFill>
-                  <a:srgbClr val="0070C0"/>
-                </a:solidFill>
-              </a:rPr>
-              <a:t> </a:t>
-            </a:r>
+              <a:t>Expensive housing is a burden for many young people.</a:t>
+            </a:r>
+          </a:p>
+          <a:p>
+            <a:pPr>
+              <a:spcBef>
+                <a:spcPts val="400"/>
+              </a:spcBef>
+              <a:buSzTx/>
+              <a:buFontTx/>
+              <a:buChar char="-"/>
+              <a:defRPr sz="2000">
+                <a:solidFill>
+                  <a:srgbClr val="FF0000"/>
+                </a:solidFill>
+                <a:latin typeface="Century"/>
+                <a:ea typeface="Century"/>
+                <a:cs typeface="Century"/>
+                <a:sym typeface="Century"/>
+              </a:defRPr>
+            </a:pPr>
             <a:r>
               <a:rPr lang="en-US" dirty="0" smtClean="0">
                 <a:solidFill>
                   <a:srgbClr val="0070C0"/>
                 </a:solidFill>
               </a:rPr>
-              <a:t>on how prices are affected by crimes, subway stations and Air Quality.</a:t>
+              <a:t>Consumers need to have a vision on what influence the housing price.</a:t>
+            </a:r>
+          </a:p>
+          <a:p>
+            <a:pPr>
+              <a:spcBef>
+                <a:spcPts val="400"/>
+              </a:spcBef>
+              <a:buSzTx/>
+              <a:buFontTx/>
+              <a:buChar char="-"/>
+              <a:defRPr sz="2000">
+                <a:solidFill>
+                  <a:srgbClr val="FF0000"/>
+                </a:solidFill>
+                <a:latin typeface="Century"/>
+                <a:ea typeface="Century"/>
+                <a:cs typeface="Century"/>
+                <a:sym typeface="Century"/>
+              </a:defRPr>
+            </a:pPr>
+            <a:r>
+              <a:rPr lang="en-US" dirty="0" smtClean="0">
+                <a:solidFill>
+                  <a:srgbClr val="0070C0"/>
+                </a:solidFill>
+              </a:rPr>
+              <a:t>Air quality, metro stations and crime are important environment factors.</a:t>
             </a:r>
             <a:endParaRPr dirty="0">
               <a:solidFill>
@@ -2733,7 +2880,7 @@
         </p:spPr>
         <p:txBody>
           <a:bodyPr>
-            <a:normAutofit fontScale="90000"/>
+            <a:normAutofit/>
           </a:bodyPr>
           <a:lstStyle>
             <a:lvl1pPr>
@@ -2755,7 +2902,7 @@
                   <a:srgbClr val="0070C0"/>
                 </a:solidFill>
               </a:rPr>
-              <a:t>A Study on the Relationship Between Housing Prices and the Air Quality, Metro Stations and Crimes in New York City</a:t>
+              <a:t>Housing Prices and AQ, Metro and Crimes in NYC</a:t>
             </a:r>
             <a:endParaRPr dirty="0">
               <a:solidFill>
@@ -2785,7 +2932,9 @@
           </a:prstGeom>
         </p:spPr>
         <p:txBody>
-          <a:bodyPr/>
+          <a:bodyPr>
+            <a:normAutofit/>
+          </a:bodyPr>
           <a:lstStyle/>
           <a:p>
             <a:pPr marL="0" indent="0">
@@ -2839,17 +2988,22 @@
             </a:pPr>
             <a:r>
               <a:rPr dirty="0"/>
-              <a:t>What actuation(s) or remediation actions are performed by the application?</a:t>
-            </a:r>
-          </a:p>
-          <a:p>
-            <a:pPr marL="0" indent="0">
+              <a:t>What actuation(s) or remediation actions are performed by the application</a:t>
+            </a:r>
+            <a:r>
+              <a:rPr dirty="0" smtClean="0"/>
+              <a:t>?</a:t>
+            </a:r>
+            <a:endParaRPr dirty="0"/>
+          </a:p>
+          <a:p>
+            <a:pPr>
               <a:spcBef>
                 <a:spcPts val="400"/>
               </a:spcBef>
               <a:buSzTx/>
-              <a:buFont typeface="Wingdings"/>
-              <a:buNone/>
+              <a:buFontTx/>
+              <a:buChar char="-"/>
               <a:defRPr sz="2100">
                 <a:solidFill>
                   <a:srgbClr val="FF0000"/>
@@ -2866,9 +3020,63 @@
                   <a:srgbClr val="0070C0"/>
                 </a:solidFill>
               </a:rPr>
-              <a:t>From our study, we will be able to get a model which reflects the relations between housing prices and the other factors. Therefore, we will be able to get predict prices by running the model on some areas and compare them to the actual prices. From there, we will get some insights on whether these areas are worth the prices or whether these areas are special compare to all other areas. And this is useful when someone is buying a house or renting an apartment. He or she can use this insight to decide if a house is worth the price. Also, real estate researchers can do further researches to find out why the price of a certain area is different from the prediction.</a:t>
-            </a:r>
-            <a:endParaRPr dirty="0">
+              <a:t>The application runs linear regression on the environment data and train a model which reflects the relations between these factors and housing prices.</a:t>
+            </a:r>
+          </a:p>
+          <a:p>
+            <a:pPr>
+              <a:spcBef>
+                <a:spcPts val="400"/>
+              </a:spcBef>
+              <a:buSzTx/>
+              <a:buFontTx/>
+              <a:buChar char="-"/>
+              <a:defRPr sz="2100">
+                <a:solidFill>
+                  <a:srgbClr val="FF0000"/>
+                </a:solidFill>
+                <a:latin typeface="Century"/>
+                <a:ea typeface="Century"/>
+                <a:cs typeface="Century"/>
+                <a:sym typeface="Century"/>
+              </a:defRPr>
+            </a:pPr>
+            <a:r>
+              <a:rPr lang="en-US" dirty="0" smtClean="0">
+                <a:solidFill>
+                  <a:srgbClr val="0070C0"/>
+                </a:solidFill>
+              </a:rPr>
+              <a:t>The model can be used to generate predict prices and compare to the actual prices.</a:t>
+            </a:r>
+          </a:p>
+          <a:p>
+            <a:pPr>
+              <a:spcBef>
+                <a:spcPts val="400"/>
+              </a:spcBef>
+              <a:buSzTx/>
+              <a:buFontTx/>
+              <a:buChar char="-"/>
+              <a:defRPr sz="2100">
+                <a:solidFill>
+                  <a:srgbClr val="FF0000"/>
+                </a:solidFill>
+                <a:latin typeface="Century"/>
+                <a:ea typeface="Century"/>
+                <a:cs typeface="Century"/>
+                <a:sym typeface="Century"/>
+              </a:defRPr>
+            </a:pPr>
+            <a:r>
+              <a:rPr lang="en-US" dirty="0" smtClean="0">
+                <a:solidFill>
+                  <a:srgbClr val="0070C0"/>
+                </a:solidFill>
+              </a:rPr>
+              <a:t>By checking the prediction and actual prices, we are able to generate insights on if a housing price is reasonable.</a:t>
+            </a:r>
+            <a:endParaRPr lang="en-US" dirty="0" smtClean="0">
               <a:solidFill>
                 <a:srgbClr val="0070C0"/>
               </a:solidFill>
@@ -2954,7 +3162,7 @@
         </p:spPr>
         <p:txBody>
           <a:bodyPr>
-            <a:normAutofit fontScale="90000"/>
+            <a:normAutofit/>
           </a:bodyPr>
           <a:lstStyle>
             <a:lvl1pPr>
@@ -2976,7 +3184,7 @@
                   <a:srgbClr val="0070C0"/>
                 </a:solidFill>
               </a:rPr>
-              <a:t>A Study on the Relationship Between Housing Prices and the Air Quality, Metro Stations and Crimes in New York City</a:t>
+              <a:t>Housing Prices and AQ, Metro and Crimes in NYC</a:t>
             </a:r>
             <a:endParaRPr dirty="0">
               <a:solidFill>
@@ -3649,7 +3857,7 @@
         </p:spPr>
         <p:txBody>
           <a:bodyPr>
-            <a:normAutofit fontScale="90000"/>
+            <a:normAutofit/>
           </a:bodyPr>
           <a:lstStyle>
             <a:lvl1pPr>
@@ -3671,7 +3879,7 @@
                   <a:srgbClr val="0070C0"/>
                 </a:solidFill>
               </a:rPr>
-              <a:t>A Study on the Relationship Between Housing Prices and the Air Quality, Metro Stations and Crimes in New York City</a:t>
+              <a:t>Housing Prices and AQ, Metro and Crimes in NYC</a:t>
             </a:r>
             <a:endParaRPr dirty="0">
               <a:solidFill>
@@ -3896,13 +4104,13 @@
             </a:r>
           </a:p>
           <a:p>
-            <a:pPr marL="0" indent="0">
+            <a:pPr>
               <a:spcBef>
                 <a:spcPts val="400"/>
               </a:spcBef>
               <a:buSzTx/>
-              <a:buFont typeface="Wingdings"/>
-              <a:buNone/>
+              <a:buFontTx/>
+              <a:buChar char="-"/>
               <a:defRPr sz="2000">
                 <a:solidFill>
                   <a:srgbClr val="FF0000"/>
@@ -3919,7 +4127,50 @@
                   <a:srgbClr val="0070C0"/>
                 </a:solidFill>
               </a:rPr>
-              <a:t>We majorly ran our application on the Cloudera Quick start VM. For some tasks including fetching Air Quality data, we used the Dumbo server.</a:t>
+              <a:t>Cloudera </a:t>
+            </a:r>
+            <a:r>
+              <a:rPr lang="en-US" dirty="0" smtClean="0">
+                <a:solidFill>
+                  <a:srgbClr val="0070C0"/>
+                </a:solidFill>
+              </a:rPr>
+              <a:t>Quick start </a:t>
+            </a:r>
+            <a:r>
+              <a:rPr lang="en-US" dirty="0" smtClean="0">
+                <a:solidFill>
+                  <a:srgbClr val="0070C0"/>
+                </a:solidFill>
+              </a:rPr>
+              <a:t>VM (majorly)</a:t>
+            </a:r>
+          </a:p>
+          <a:p>
+            <a:pPr>
+              <a:spcBef>
+                <a:spcPts val="400"/>
+              </a:spcBef>
+              <a:buSzTx/>
+              <a:buFontTx/>
+              <a:buChar char="-"/>
+              <a:defRPr sz="2000">
+                <a:solidFill>
+                  <a:srgbClr val="FF0000"/>
+                </a:solidFill>
+                <a:latin typeface="Century"/>
+                <a:ea typeface="Century"/>
+                <a:cs typeface="Century"/>
+                <a:sym typeface="Century"/>
+              </a:defRPr>
+            </a:pPr>
+            <a:r>
+              <a:rPr lang="en-US" dirty="0" smtClean="0">
+                <a:solidFill>
+                  <a:srgbClr val="0070C0"/>
+                </a:solidFill>
+              </a:rPr>
+              <a:t>Dumbo server (for some data fetching tasks)</a:t>
             </a:r>
             <a:endParaRPr dirty="0">
               <a:solidFill>
@@ -4037,7 +4288,7 @@
         </p:spPr>
         <p:txBody>
           <a:bodyPr>
-            <a:normAutofit fontScale="90000"/>
+            <a:normAutofit/>
           </a:bodyPr>
           <a:lstStyle>
             <a:lvl1pPr>
@@ -4059,7 +4310,7 @@
                   <a:srgbClr val="0070C0"/>
                 </a:solidFill>
               </a:rPr>
-              <a:t>A Study on the Relationship Between Housing Prices and the Air Quality, Metro Stations and Crimes in New York City</a:t>
+              <a:t>Housing Prices and AQ, Metro and Crimes in NYC</a:t>
             </a:r>
             <a:endParaRPr dirty="0">
               <a:solidFill>
@@ -4317,7 +4568,7 @@
         </p:spPr>
         <p:txBody>
           <a:bodyPr>
-            <a:normAutofit fontScale="90000"/>
+            <a:normAutofit/>
           </a:bodyPr>
           <a:lstStyle>
             <a:lvl1pPr>
@@ -4339,7 +4590,7 @@
                   <a:srgbClr val="0070C0"/>
                 </a:solidFill>
               </a:rPr>
-              <a:t>A Study on the Relationship Between Housing Prices and the Air Quality, Metro Stations and Crimes in New York City</a:t>
+              <a:t>Housing Prices and AQ, Metro and Crimes in NYC</a:t>
             </a:r>
             <a:endParaRPr dirty="0">
               <a:solidFill>
@@ -4666,7 +4917,7 @@
         </p:spPr>
         <p:txBody>
           <a:bodyPr>
-            <a:normAutofit fontScale="90000"/>
+            <a:normAutofit/>
           </a:bodyPr>
           <a:lstStyle>
             <a:lvl1pPr>
@@ -4688,7 +4939,7 @@
                   <a:srgbClr val="0070C0"/>
                 </a:solidFill>
               </a:rPr>
-              <a:t>A Study on the Relationship Between Housing Prices and the Air Quality, Metro Stations and Crimes in New York City</a:t>
+              <a:t>Housing Prices and AQ, Metro and Crimes in NYC</a:t>
             </a:r>
             <a:endParaRPr dirty="0">
               <a:solidFill>
@@ -5099,11 +5350,6 @@
               </a:rPr>
               <a:t>for providing an API to enable us to fetch the historical AQI data in NYC, though the air quality in NYC is really good and there is hardly difference among all the historical records. </a:t>
             </a:r>
-            <a:endParaRPr lang="en-US" altLang="zh-CN" dirty="0">
-              <a:solidFill>
-                <a:srgbClr val="0070C0"/>
-              </a:solidFill>
-            </a:endParaRPr>
           </a:p>
           <a:p>
             <a:pPr marL="0" indent="0">
@@ -5205,7 +5451,7 @@
         </p:spPr>
         <p:txBody>
           <a:bodyPr>
-            <a:normAutofit fontScale="90000"/>
+            <a:normAutofit/>
           </a:bodyPr>
           <a:lstStyle>
             <a:lvl1pPr>
@@ -5227,7 +5473,7 @@
                   <a:srgbClr val="0070C0"/>
                 </a:solidFill>
               </a:rPr>
-              <a:t>A Study on the Relationship Between Housing Prices and the Air Quality, Metro Stations and Crimes in New York City</a:t>
+              <a:t>Housing Prices and AQ, Metro and Crimes in NYC</a:t>
             </a:r>
             <a:endParaRPr dirty="0">
               <a:solidFill>

--- a/Spark_Fall2017_Class12_Slides_YiZhang_TaikunGuo.pptx
+++ b/Spark_Fall2017_Class12_Slides_YiZhang_TaikunGuo.pptx
@@ -4341,7 +4341,7 @@
         </p:spPr>
         <p:txBody>
           <a:bodyPr>
-            <a:normAutofit fontScale="92500" lnSpcReduction="10000"/>
+            <a:normAutofit/>
           </a:bodyPr>
           <a:lstStyle/>
           <a:p>
@@ -4391,12 +4391,13 @@
             <a:endParaRPr dirty="0"/>
           </a:p>
           <a:p>
-            <a:pPr marL="0" indent="0">
+            <a:pPr>
               <a:spcBef>
                 <a:spcPts val="400"/>
               </a:spcBef>
               <a:buSzTx/>
-              <a:buNone/>
+              <a:buFontTx/>
+              <a:buChar char="-"/>
               <a:defRPr sz="2000">
                 <a:latin typeface="Century"/>
                 <a:ea typeface="Century"/>
@@ -4405,64 +4406,23 @@
               </a:defRPr>
             </a:pPr>
             <a:r>
-              <a:rPr dirty="0"/>
-              <a:t>1. </a:t>
-            </a:r>
-            <a:r>
-              <a:rPr lang="en-US" dirty="0" smtClean="0">
-                <a:solidFill>
-                  <a:srgbClr val="0070C0"/>
-                </a:solidFill>
-              </a:rPr>
-              <a:t>After analyzing our model, we can find that most of the residential or non-busy district in NYC fit in the model very well. However, for some financial and busy districts such as major part of Manhattan and downtown Brooklyn, these areas can not fit into the model very well. We believe that there must be </a:t>
-            </a:r>
-            <a:r>
-              <a:rPr lang="en-US" altLang="zh-CN" sz="2000" dirty="0">
-                <a:solidFill>
-                  <a:srgbClr val="0070C0"/>
-                </a:solidFill>
-                <a:sym typeface="Century"/>
-              </a:rPr>
-              <a:t>some other factors we need to consider, for example, the prosperity, surrounding facilities, cultural environment and residential class of the blocks. </a:t>
-            </a:r>
-            <a:endParaRPr dirty="0">
-              <a:solidFill>
-                <a:srgbClr val="0070C0"/>
-              </a:solidFill>
-            </a:endParaRPr>
-          </a:p>
-          <a:p>
-            <a:pPr marL="0" lvl="1" indent="400050">
-              <a:spcBef>
-                <a:spcPts val="300"/>
-              </a:spcBef>
-              <a:buSzTx/>
-              <a:buFont typeface="Wingdings"/>
-              <a:buNone/>
-              <a:defRPr sz="1600">
-                <a:solidFill>
-                  <a:srgbClr val="FF0000"/>
-                </a:solidFill>
-                <a:latin typeface="Century"/>
-                <a:ea typeface="Century"/>
-                <a:cs typeface="Century"/>
-                <a:sym typeface="Century"/>
-              </a:defRPr>
-            </a:pPr>
-            <a:endParaRPr sz="2000" dirty="0">
-              <a:solidFill>
-                <a:srgbClr val="00B0F0"/>
-              </a:solidFill>
-            </a:endParaRPr>
-          </a:p>
-          <a:p>
-            <a:pPr marL="0" indent="0">
+              <a:rPr lang="en-US" altLang="zh-CN" sz="2000" dirty="0" smtClean="0">
+                <a:solidFill>
+                  <a:srgbClr val="0070C0"/>
+                </a:solidFill>
+                <a:sym typeface="Century"/>
+              </a:rPr>
+              <a:t>Residential or non-busy districts fit model well</a:t>
+            </a:r>
+          </a:p>
+          <a:p>
+            <a:pPr>
               <a:spcBef>
                 <a:spcPts val="400"/>
               </a:spcBef>
               <a:buSzTx/>
-              <a:buFont typeface="Wingdings"/>
-              <a:buNone/>
+              <a:buFontTx/>
+              <a:buChar char="-"/>
               <a:defRPr sz="2000">
                 <a:latin typeface="Century"/>
                 <a:ea typeface="Century"/>
@@ -4471,16 +4431,102 @@
               </a:defRPr>
             </a:pPr>
             <a:r>
-              <a:rPr dirty="0"/>
-              <a:t>2. </a:t>
-            </a:r>
+              <a:rPr lang="en-US" altLang="zh-CN" sz="2000" dirty="0" smtClean="0">
+                <a:solidFill>
+                  <a:srgbClr val="0070C0"/>
+                </a:solidFill>
+                <a:sym typeface="Century"/>
+              </a:rPr>
+              <a:t>Financial and busy districts don’t fit model well </a:t>
+            </a:r>
+          </a:p>
+          <a:p>
+            <a:pPr>
+              <a:spcBef>
+                <a:spcPts val="400"/>
+              </a:spcBef>
+              <a:buSzTx/>
+              <a:buFontTx/>
+              <a:buChar char="-"/>
+              <a:defRPr sz="2000">
+                <a:latin typeface="Century"/>
+                <a:ea typeface="Century"/>
+                <a:cs typeface="Century"/>
+                <a:sym typeface="Century"/>
+              </a:defRPr>
+            </a:pPr>
+            <a:r>
+              <a:rPr lang="en-US" sz="2000" dirty="0" smtClean="0">
+                <a:solidFill>
+                  <a:srgbClr val="0070C0"/>
+                </a:solidFill>
+                <a:sym typeface="Century"/>
+              </a:rPr>
+              <a:t>Other factors to be considered, </a:t>
+            </a:r>
+            <a:r>
+              <a:rPr lang="en-US" altLang="zh-CN" dirty="0">
+                <a:solidFill>
+                  <a:srgbClr val="0070C0"/>
+                </a:solidFill>
+              </a:rPr>
+              <a:t>Housing Prices and AQ, Metro and Crimes in </a:t>
+            </a:r>
+            <a:r>
+              <a:rPr lang="en-US" altLang="zh-CN" dirty="0" smtClean="0">
+                <a:solidFill>
+                  <a:srgbClr val="0070C0"/>
+                </a:solidFill>
+              </a:rPr>
+              <a:t>NYC.</a:t>
+            </a:r>
+          </a:p>
+          <a:p>
+            <a:pPr>
+              <a:spcBef>
+                <a:spcPts val="400"/>
+              </a:spcBef>
+              <a:buSzTx/>
+              <a:buFontTx/>
+              <a:buChar char="-"/>
+              <a:defRPr sz="2000">
+                <a:latin typeface="Century"/>
+                <a:ea typeface="Century"/>
+                <a:cs typeface="Century"/>
+                <a:sym typeface="Century"/>
+              </a:defRPr>
+            </a:pPr>
             <a:r>
               <a:rPr lang="en-US" dirty="0" smtClean="0">
                 <a:solidFill>
                   <a:srgbClr val="0070C0"/>
                 </a:solidFill>
               </a:rPr>
-              <a:t>We found the Air Quality Index does not have a very huge influence on the property price in NYC, which is different then we expected. We think that, since AQI in different areas of NYC are close. That may not be a primary consideration while purchasing a house. And we are interested in running our model in a different place where Air Quality is a major concern to see if it has a great impact on housing prices.</a:t>
+              <a:t>Air Quality Index (AQI) has a small impact on property price in NYC.</a:t>
+            </a:r>
+          </a:p>
+          <a:p>
+            <a:pPr>
+              <a:spcBef>
+                <a:spcPts val="400"/>
+              </a:spcBef>
+              <a:buSzTx/>
+              <a:buFontTx/>
+              <a:buChar char="-"/>
+              <a:defRPr sz="2000">
+                <a:latin typeface="Century"/>
+                <a:ea typeface="Century"/>
+                <a:cs typeface="Century"/>
+                <a:sym typeface="Century"/>
+              </a:defRPr>
+            </a:pPr>
+            <a:r>
+              <a:rPr lang="en-US" dirty="0" smtClean="0">
+                <a:solidFill>
+                  <a:srgbClr val="0070C0"/>
+                </a:solidFill>
+              </a:rPr>
+              <a:t>AQI might not be a primary consideration while purchasing a house in NYC.</a:t>
             </a:r>
             <a:endParaRPr dirty="0">
               <a:solidFill>
@@ -4693,7 +4739,7 @@
                   <a:srgbClr val="0070C0"/>
                 </a:solidFill>
               </a:rPr>
-              <a:t>The Air Quality data we found at first used a unique way to reference all the locations in NYC, which does not match the ways other data sets are using. So we have to consider finding another one.</a:t>
+              <a:t>The Air Quality data we found at first used a unique way to reference all the locations in NYC, which did not match the ways other data sets are using. So we had to consider finding another one.</a:t>
             </a:r>
             <a:endParaRPr dirty="0">
               <a:solidFill>
@@ -4759,7 +4805,23 @@
                   <a:srgbClr val="0070C0"/>
                 </a:solidFill>
               </a:rPr>
-              <a:t> API which gives us nice AQI data based on geo coordinates. However, since it</a:t>
+              <a:t> API which </a:t>
+            </a:r>
+            <a:r>
+              <a:rPr lang="en-US" dirty="0" smtClean="0">
+                <a:solidFill>
+                  <a:srgbClr val="0070C0"/>
+                </a:solidFill>
+              </a:rPr>
+              <a:t>gave us </a:t>
+            </a:r>
+            <a:r>
+              <a:rPr lang="en-US" dirty="0" smtClean="0">
+                <a:solidFill>
+                  <a:srgbClr val="0070C0"/>
+                </a:solidFill>
+              </a:rPr>
+              <a:t>nice AQI data based on geo coordinates. However, since it</a:t>
             </a:r>
             <a:r>
               <a:rPr lang="mr-IN" dirty="0" smtClean="0">
@@ -4775,7 +4837,23 @@
                   <a:srgbClr val="0070C0"/>
                 </a:solidFill>
               </a:rPr>
-              <a:t>s a free API, it limits the max calls to 500 per hour. So we have to develop a script to fetch 500 records every hour and have it run on server for almost 2 days.</a:t>
+              <a:t>s a free API, it limits the max calls to 500 per hour. So we </a:t>
+            </a:r>
+            <a:r>
+              <a:rPr lang="en-US" dirty="0" smtClean="0">
+                <a:solidFill>
+                  <a:srgbClr val="0070C0"/>
+                </a:solidFill>
+              </a:rPr>
+              <a:t>had to </a:t>
+            </a:r>
+            <a:r>
+              <a:rPr lang="en-US" dirty="0" smtClean="0">
+                <a:solidFill>
+                  <a:srgbClr val="0070C0"/>
+                </a:solidFill>
+              </a:rPr>
+              <a:t>develop a script to fetch 500 records every hour and have it run on server for almost 2 days.</a:t>
             </a:r>
             <a:endParaRPr dirty="0">
               <a:solidFill>
@@ -4829,7 +4907,55 @@
                   <a:srgbClr val="0070C0"/>
                 </a:solidFill>
               </a:rPr>
-              <a:t>It cost us some time to make Maven work with Scala. We tried a couple Maven archetypes that are already outdated.</a:t>
+              <a:t>It </a:t>
+            </a:r>
+            <a:r>
+              <a:rPr lang="en-US" dirty="0" smtClean="0">
+                <a:solidFill>
+                  <a:srgbClr val="0070C0"/>
+                </a:solidFill>
+              </a:rPr>
+              <a:t>cost </a:t>
+            </a:r>
+            <a:r>
+              <a:rPr lang="en-US" dirty="0" smtClean="0">
+                <a:solidFill>
+                  <a:srgbClr val="0070C0"/>
+                </a:solidFill>
+              </a:rPr>
+              <a:t>us some time to make Maven work with Scala. We tried a </a:t>
+            </a:r>
+            <a:r>
+              <a:rPr lang="en-US" dirty="0" smtClean="0">
+                <a:solidFill>
+                  <a:srgbClr val="0070C0"/>
+                </a:solidFill>
+              </a:rPr>
+              <a:t>couple </a:t>
+            </a:r>
+            <a:r>
+              <a:rPr lang="en-US" smtClean="0">
+                <a:solidFill>
+                  <a:srgbClr val="0070C0"/>
+                </a:solidFill>
+              </a:rPr>
+              <a:t>of outdated </a:t>
+            </a:r>
+            <a:r>
+              <a:rPr lang="en-US" smtClean="0">
+                <a:solidFill>
+                  <a:srgbClr val="0070C0"/>
+                </a:solidFill>
+              </a:rPr>
+              <a:t>Maven </a:t>
+            </a:r>
+            <a:r>
+              <a:rPr lang="en-US" smtClean="0">
+                <a:solidFill>
+                  <a:srgbClr val="0070C0"/>
+                </a:solidFill>
+              </a:rPr>
+              <a:t>archetypes.</a:t>
             </a:r>
             <a:endParaRPr dirty="0">
               <a:solidFill>
